--- a/Module Decomposition Diagram.pptx
+++ b/Module Decomposition Diagram.pptx
@@ -53,7 +53,7 @@
       </p:grpSpPr>
       <p:sp>
         <p:nvSpPr>
-          <p:cNvPr id="26" name="PlaceHolder 1"/>
+          <p:cNvPr id="23" name="PlaceHolder 1"/>
           <p:cNvSpPr>
             <a:spLocks noGrp="1"/>
           </p:cNvSpPr>
@@ -64,7 +64,7 @@
         <p:spPr>
           <a:xfrm>
             <a:off x="504000" y="301320"/>
-            <a:ext cx="9071640" cy="1262520"/>
+            <a:ext cx="9072000" cy="1262160"/>
           </a:xfrm>
           <a:prstGeom prst="rect">
             <a:avLst/>
@@ -80,44 +80,44 @@
       </p:sp>
       <p:sp>
         <p:nvSpPr>
-          <p:cNvPr id="27" name="PlaceHolder 2"/>
-          <p:cNvSpPr>
-            <a:spLocks noGrp="1"/>
-          </p:cNvSpPr>
-          <p:nvPr>
-            <p:ph type="body"/>
-          </p:nvPr>
-        </p:nvSpPr>
-        <p:spPr>
-          <a:xfrm>
-            <a:off x="504000" y="1769040"/>
-            <a:ext cx="8870040" cy="2090880"/>
-          </a:xfrm>
-          <a:prstGeom prst="rect">
-            <a:avLst/>
-          </a:prstGeom>
-        </p:spPr>
-        <p:txBody>
-          <a:bodyPr bIns="0" lIns="0" rIns="0" tIns="0" wrap="none"/>
-          <a:p>
-            <a:endParaRPr/>
-          </a:p>
-        </p:txBody>
-      </p:sp>
-      <p:sp>
-        <p:nvSpPr>
-          <p:cNvPr id="28" name="PlaceHolder 3"/>
-          <p:cNvSpPr>
-            <a:spLocks noGrp="1"/>
-          </p:cNvSpPr>
-          <p:nvPr>
-            <p:ph type="body"/>
-          </p:nvPr>
-        </p:nvSpPr>
-        <p:spPr>
-          <a:xfrm>
-            <a:off x="504000" y="4058640"/>
-            <a:ext cx="8870040" cy="2090880"/>
+          <p:cNvPr id="24" name="PlaceHolder 2"/>
+          <p:cNvSpPr>
+            <a:spLocks noGrp="1"/>
+          </p:cNvSpPr>
+          <p:nvPr>
+            <p:ph type="body"/>
+          </p:nvPr>
+        </p:nvSpPr>
+        <p:spPr>
+          <a:xfrm>
+            <a:off x="504000" y="1768680"/>
+            <a:ext cx="8870400" cy="2090880"/>
+          </a:xfrm>
+          <a:prstGeom prst="rect">
+            <a:avLst/>
+          </a:prstGeom>
+        </p:spPr>
+        <p:txBody>
+          <a:bodyPr bIns="0" lIns="0" rIns="0" tIns="0" wrap="none"/>
+          <a:p>
+            <a:endParaRPr/>
+          </a:p>
+        </p:txBody>
+      </p:sp>
+      <p:sp>
+        <p:nvSpPr>
+          <p:cNvPr id="25" name="PlaceHolder 3"/>
+          <p:cNvSpPr>
+            <a:spLocks noGrp="1"/>
+          </p:cNvSpPr>
+          <p:nvPr>
+            <p:ph type="body"/>
+          </p:nvPr>
+        </p:nvSpPr>
+        <p:spPr>
+          <a:xfrm>
+            <a:off x="504000" y="4058280"/>
+            <a:ext cx="8870400" cy="2090880"/>
           </a:xfrm>
           <a:prstGeom prst="rect">
             <a:avLst/>
@@ -154,7 +154,7 @@
       </p:grpSpPr>
       <p:sp>
         <p:nvSpPr>
-          <p:cNvPr id="29" name="PlaceHolder 1"/>
+          <p:cNvPr id="26" name="PlaceHolder 1"/>
           <p:cNvSpPr>
             <a:spLocks noGrp="1"/>
           </p:cNvSpPr>
@@ -165,7 +165,7 @@
         <p:spPr>
           <a:xfrm>
             <a:off x="504000" y="301320"/>
-            <a:ext cx="9071640" cy="1262520"/>
+            <a:ext cx="9072000" cy="1262160"/>
           </a:xfrm>
           <a:prstGeom prst="rect">
             <a:avLst/>
@@ -181,17 +181,17 @@
       </p:sp>
       <p:sp>
         <p:nvSpPr>
-          <p:cNvPr id="30" name="PlaceHolder 2"/>
-          <p:cNvSpPr>
-            <a:spLocks noGrp="1"/>
-          </p:cNvSpPr>
-          <p:nvPr>
-            <p:ph type="body"/>
-          </p:nvPr>
-        </p:nvSpPr>
-        <p:spPr>
-          <a:xfrm>
-            <a:off x="504000" y="1769040"/>
+          <p:cNvPr id="27" name="PlaceHolder 2"/>
+          <p:cNvSpPr>
+            <a:spLocks noGrp="1"/>
+          </p:cNvSpPr>
+          <p:nvPr>
+            <p:ph type="body"/>
+          </p:nvPr>
+        </p:nvSpPr>
+        <p:spPr>
+          <a:xfrm>
+            <a:off x="504000" y="1768680"/>
             <a:ext cx="4328280" cy="2090880"/>
           </a:xfrm>
           <a:prstGeom prst="rect">
@@ -207,17 +207,17 @@
       </p:sp>
       <p:sp>
         <p:nvSpPr>
-          <p:cNvPr id="31" name="PlaceHolder 3"/>
-          <p:cNvSpPr>
-            <a:spLocks noGrp="1"/>
-          </p:cNvSpPr>
-          <p:nvPr>
-            <p:ph type="body"/>
-          </p:nvPr>
-        </p:nvSpPr>
-        <p:spPr>
-          <a:xfrm>
-            <a:off x="5049000" y="1769040"/>
+          <p:cNvPr id="28" name="PlaceHolder 3"/>
+          <p:cNvSpPr>
+            <a:spLocks noGrp="1"/>
+          </p:cNvSpPr>
+          <p:nvPr>
+            <p:ph type="body"/>
+          </p:nvPr>
+        </p:nvSpPr>
+        <p:spPr>
+          <a:xfrm>
+            <a:off x="5049000" y="1768680"/>
             <a:ext cx="4328280" cy="2090880"/>
           </a:xfrm>
           <a:prstGeom prst="rect">
@@ -233,17 +233,17 @@
       </p:sp>
       <p:sp>
         <p:nvSpPr>
-          <p:cNvPr id="32" name="PlaceHolder 4"/>
-          <p:cNvSpPr>
-            <a:spLocks noGrp="1"/>
-          </p:cNvSpPr>
-          <p:nvPr>
-            <p:ph type="body"/>
-          </p:nvPr>
-        </p:nvSpPr>
-        <p:spPr>
-          <a:xfrm>
-            <a:off x="5049000" y="4058640"/>
+          <p:cNvPr id="29" name="PlaceHolder 4"/>
+          <p:cNvSpPr>
+            <a:spLocks noGrp="1"/>
+          </p:cNvSpPr>
+          <p:nvPr>
+            <p:ph type="body"/>
+          </p:nvPr>
+        </p:nvSpPr>
+        <p:spPr>
+          <a:xfrm>
+            <a:off x="5049000" y="4058280"/>
             <a:ext cx="4328280" cy="2090880"/>
           </a:xfrm>
           <a:prstGeom prst="rect">
@@ -259,17 +259,17 @@
       </p:sp>
       <p:sp>
         <p:nvSpPr>
-          <p:cNvPr id="33" name="PlaceHolder 5"/>
-          <p:cNvSpPr>
-            <a:spLocks noGrp="1"/>
-          </p:cNvSpPr>
-          <p:nvPr>
-            <p:ph type="body"/>
-          </p:nvPr>
-        </p:nvSpPr>
-        <p:spPr>
-          <a:xfrm>
-            <a:off x="504000" y="4058640"/>
+          <p:cNvPr id="30" name="PlaceHolder 5"/>
+          <p:cNvSpPr>
+            <a:spLocks noGrp="1"/>
+          </p:cNvSpPr>
+          <p:nvPr>
+            <p:ph type="body"/>
+          </p:nvPr>
+        </p:nvSpPr>
+        <p:spPr>
+          <a:xfrm>
+            <a:off x="504000" y="4058280"/>
             <a:ext cx="4328280" cy="2090880"/>
           </a:xfrm>
           <a:prstGeom prst="rect">
@@ -307,7 +307,7 @@
       </p:grpSpPr>
       <p:sp>
         <p:nvSpPr>
-          <p:cNvPr id="34" name="PlaceHolder 1"/>
+          <p:cNvPr id="31" name="PlaceHolder 1"/>
           <p:cNvSpPr>
             <a:spLocks noGrp="1"/>
           </p:cNvSpPr>
@@ -318,7 +318,7 @@
         <p:spPr>
           <a:xfrm>
             <a:off x="504000" y="301320"/>
-            <a:ext cx="9071640" cy="1262520"/>
+            <a:ext cx="9072000" cy="1262160"/>
           </a:xfrm>
           <a:prstGeom prst="rect">
             <a:avLst/>
@@ -334,17 +334,17 @@
       </p:sp>
       <p:sp>
         <p:nvSpPr>
-          <p:cNvPr id="35" name="PlaceHolder 2"/>
-          <p:cNvSpPr>
-            <a:spLocks noGrp="1"/>
-          </p:cNvSpPr>
-          <p:nvPr>
-            <p:ph type="body"/>
-          </p:nvPr>
-        </p:nvSpPr>
-        <p:spPr>
-          <a:xfrm>
-            <a:off x="504000" y="1769040"/>
+          <p:cNvPr id="32" name="PlaceHolder 2"/>
+          <p:cNvSpPr>
+            <a:spLocks noGrp="1"/>
+          </p:cNvSpPr>
+          <p:nvPr>
+            <p:ph type="body"/>
+          </p:nvPr>
+        </p:nvSpPr>
+        <p:spPr>
+          <a:xfrm>
+            <a:off x="504000" y="1768680"/>
             <a:ext cx="4328280" cy="2090880"/>
           </a:xfrm>
           <a:prstGeom prst="rect">
@@ -360,17 +360,17 @@
       </p:sp>
       <p:sp>
         <p:nvSpPr>
-          <p:cNvPr id="36" name="PlaceHolder 3"/>
-          <p:cNvSpPr>
-            <a:spLocks noGrp="1"/>
-          </p:cNvSpPr>
-          <p:nvPr>
-            <p:ph type="body"/>
-          </p:nvPr>
-        </p:nvSpPr>
-        <p:spPr>
-          <a:xfrm>
-            <a:off x="5049000" y="1769040"/>
+          <p:cNvPr id="33" name="PlaceHolder 3"/>
+          <p:cNvSpPr>
+            <a:spLocks noGrp="1"/>
+          </p:cNvSpPr>
+          <p:nvPr>
+            <p:ph type="body"/>
+          </p:nvPr>
+        </p:nvSpPr>
+        <p:spPr>
+          <a:xfrm>
+            <a:off x="5049000" y="1768680"/>
             <a:ext cx="4328280" cy="2090880"/>
           </a:xfrm>
           <a:prstGeom prst="rect">
@@ -408,7 +408,7 @@
       </p:grpSpPr>
       <p:sp>
         <p:nvSpPr>
-          <p:cNvPr id="5" name="PlaceHolder 1"/>
+          <p:cNvPr id="2" name="PlaceHolder 1"/>
           <p:cNvSpPr>
             <a:spLocks noGrp="1"/>
           </p:cNvSpPr>
@@ -419,7 +419,7 @@
         <p:spPr>
           <a:xfrm>
             <a:off x="504000" y="301320"/>
-            <a:ext cx="9071640" cy="1262520"/>
+            <a:ext cx="9072000" cy="1262160"/>
           </a:xfrm>
           <a:prstGeom prst="rect">
             <a:avLst/>
@@ -435,7 +435,7 @@
       </p:sp>
       <p:sp>
         <p:nvSpPr>
-          <p:cNvPr id="6" name="PlaceHolder 2"/>
+          <p:cNvPr id="3" name="PlaceHolder 2"/>
           <p:cNvSpPr>
             <a:spLocks noGrp="1"/>
           </p:cNvSpPr>
@@ -445,8 +445,8 @@
         </p:nvSpPr>
         <p:spPr>
           <a:xfrm>
-            <a:off x="504000" y="1769040"/>
-            <a:ext cx="8870040" cy="4384800"/>
+            <a:off x="504000" y="1768680"/>
+            <a:ext cx="8870400" cy="4384440"/>
           </a:xfrm>
           <a:prstGeom prst="rect">
             <a:avLst/>
@@ -484,7 +484,7 @@
       </p:grpSpPr>
       <p:sp>
         <p:nvSpPr>
-          <p:cNvPr id="7" name="PlaceHolder 1"/>
+          <p:cNvPr id="4" name="PlaceHolder 1"/>
           <p:cNvSpPr>
             <a:spLocks noGrp="1"/>
           </p:cNvSpPr>
@@ -495,7 +495,7 @@
         <p:spPr>
           <a:xfrm>
             <a:off x="504000" y="301320"/>
-            <a:ext cx="9071640" cy="1262520"/>
+            <a:ext cx="9072000" cy="1262160"/>
           </a:xfrm>
           <a:prstGeom prst="rect">
             <a:avLst/>
@@ -511,18 +511,18 @@
       </p:sp>
       <p:sp>
         <p:nvSpPr>
-          <p:cNvPr id="8" name="PlaceHolder 2"/>
-          <p:cNvSpPr>
-            <a:spLocks noGrp="1"/>
-          </p:cNvSpPr>
-          <p:nvPr>
-            <p:ph type="body"/>
-          </p:nvPr>
-        </p:nvSpPr>
-        <p:spPr>
-          <a:xfrm>
-            <a:off x="504000" y="1769040"/>
-            <a:ext cx="8870040" cy="4384440"/>
+          <p:cNvPr id="5" name="PlaceHolder 2"/>
+          <p:cNvSpPr>
+            <a:spLocks noGrp="1"/>
+          </p:cNvSpPr>
+          <p:nvPr>
+            <p:ph type="body"/>
+          </p:nvPr>
+        </p:nvSpPr>
+        <p:spPr>
+          <a:xfrm>
+            <a:off x="504000" y="1768680"/>
+            <a:ext cx="8870400" cy="4384080"/>
           </a:xfrm>
           <a:prstGeom prst="rect">
             <a:avLst/>
@@ -559,7 +559,7 @@
       </p:grpSpPr>
       <p:sp>
         <p:nvSpPr>
-          <p:cNvPr id="9" name="PlaceHolder 1"/>
+          <p:cNvPr id="6" name="PlaceHolder 1"/>
           <p:cNvSpPr>
             <a:spLocks noGrp="1"/>
           </p:cNvSpPr>
@@ -570,7 +570,7 @@
         <p:spPr>
           <a:xfrm>
             <a:off x="504000" y="301320"/>
-            <a:ext cx="9071640" cy="1262520"/>
+            <a:ext cx="9072000" cy="1262160"/>
           </a:xfrm>
           <a:prstGeom prst="rect">
             <a:avLst/>
@@ -586,44 +586,44 @@
       </p:sp>
       <p:sp>
         <p:nvSpPr>
-          <p:cNvPr id="10" name="PlaceHolder 2"/>
-          <p:cNvSpPr>
-            <a:spLocks noGrp="1"/>
-          </p:cNvSpPr>
-          <p:nvPr>
-            <p:ph type="body"/>
-          </p:nvPr>
-        </p:nvSpPr>
-        <p:spPr>
-          <a:xfrm>
-            <a:off x="504000" y="1769040"/>
-            <a:ext cx="4328280" cy="4384440"/>
-          </a:xfrm>
-          <a:prstGeom prst="rect">
-            <a:avLst/>
-          </a:prstGeom>
-        </p:spPr>
-        <p:txBody>
-          <a:bodyPr bIns="0" lIns="0" rIns="0" tIns="0" wrap="none"/>
-          <a:p>
-            <a:endParaRPr/>
-          </a:p>
-        </p:txBody>
-      </p:sp>
-      <p:sp>
-        <p:nvSpPr>
-          <p:cNvPr id="11" name="PlaceHolder 3"/>
-          <p:cNvSpPr>
-            <a:spLocks noGrp="1"/>
-          </p:cNvSpPr>
-          <p:nvPr>
-            <p:ph type="body"/>
-          </p:nvPr>
-        </p:nvSpPr>
-        <p:spPr>
-          <a:xfrm>
-            <a:off x="5049000" y="1769040"/>
-            <a:ext cx="4328280" cy="4384440"/>
+          <p:cNvPr id="7" name="PlaceHolder 2"/>
+          <p:cNvSpPr>
+            <a:spLocks noGrp="1"/>
+          </p:cNvSpPr>
+          <p:nvPr>
+            <p:ph type="body"/>
+          </p:nvPr>
+        </p:nvSpPr>
+        <p:spPr>
+          <a:xfrm>
+            <a:off x="504000" y="1768680"/>
+            <a:ext cx="4328280" cy="4384080"/>
+          </a:xfrm>
+          <a:prstGeom prst="rect">
+            <a:avLst/>
+          </a:prstGeom>
+        </p:spPr>
+        <p:txBody>
+          <a:bodyPr bIns="0" lIns="0" rIns="0" tIns="0" wrap="none"/>
+          <a:p>
+            <a:endParaRPr/>
+          </a:p>
+        </p:txBody>
+      </p:sp>
+      <p:sp>
+        <p:nvSpPr>
+          <p:cNvPr id="8" name="PlaceHolder 3"/>
+          <p:cNvSpPr>
+            <a:spLocks noGrp="1"/>
+          </p:cNvSpPr>
+          <p:nvPr>
+            <p:ph type="body"/>
+          </p:nvPr>
+        </p:nvSpPr>
+        <p:spPr>
+          <a:xfrm>
+            <a:off x="5049000" y="1768680"/>
+            <a:ext cx="4328280" cy="4384080"/>
           </a:xfrm>
           <a:prstGeom prst="rect">
             <a:avLst/>
@@ -660,7 +660,7 @@
       </p:grpSpPr>
       <p:sp>
         <p:nvSpPr>
-          <p:cNvPr id="12" name="PlaceHolder 1"/>
+          <p:cNvPr id="9" name="PlaceHolder 1"/>
           <p:cNvSpPr>
             <a:spLocks noGrp="1"/>
           </p:cNvSpPr>
@@ -671,7 +671,7 @@
         <p:spPr>
           <a:xfrm>
             <a:off x="504000" y="301320"/>
-            <a:ext cx="9071640" cy="1262520"/>
+            <a:ext cx="9072000" cy="1262160"/>
           </a:xfrm>
           <a:prstGeom prst="rect">
             <a:avLst/>
@@ -709,7 +709,7 @@
       </p:grpSpPr>
       <p:sp>
         <p:nvSpPr>
-          <p:cNvPr id="13" name="PlaceHolder 1"/>
+          <p:cNvPr id="10" name="PlaceHolder 1"/>
           <p:cNvSpPr>
             <a:spLocks noGrp="1"/>
           </p:cNvSpPr>
@@ -720,7 +720,7 @@
         <p:spPr>
           <a:xfrm>
             <a:off x="504000" y="301320"/>
-            <a:ext cx="9071640" cy="5852160"/>
+            <a:ext cx="9072000" cy="5851440"/>
           </a:xfrm>
           <a:prstGeom prst="rect">
             <a:avLst/>
@@ -758,7 +758,7 @@
       </p:grpSpPr>
       <p:sp>
         <p:nvSpPr>
-          <p:cNvPr id="14" name="PlaceHolder 1"/>
+          <p:cNvPr id="11" name="PlaceHolder 1"/>
           <p:cNvSpPr>
             <a:spLocks noGrp="1"/>
           </p:cNvSpPr>
@@ -769,7 +769,7 @@
         <p:spPr>
           <a:xfrm>
             <a:off x="504000" y="301320"/>
-            <a:ext cx="9071640" cy="1262520"/>
+            <a:ext cx="9072000" cy="1262160"/>
           </a:xfrm>
           <a:prstGeom prst="rect">
             <a:avLst/>
@@ -785,17 +785,17 @@
       </p:sp>
       <p:sp>
         <p:nvSpPr>
-          <p:cNvPr id="15" name="PlaceHolder 2"/>
-          <p:cNvSpPr>
-            <a:spLocks noGrp="1"/>
-          </p:cNvSpPr>
-          <p:nvPr>
-            <p:ph type="body"/>
-          </p:nvPr>
-        </p:nvSpPr>
-        <p:spPr>
-          <a:xfrm>
-            <a:off x="504000" y="1769040"/>
+          <p:cNvPr id="12" name="PlaceHolder 2"/>
+          <p:cNvSpPr>
+            <a:spLocks noGrp="1"/>
+          </p:cNvSpPr>
+          <p:nvPr>
+            <p:ph type="body"/>
+          </p:nvPr>
+        </p:nvSpPr>
+        <p:spPr>
+          <a:xfrm>
+            <a:off x="504000" y="1768680"/>
             <a:ext cx="4328280" cy="2090880"/>
           </a:xfrm>
           <a:prstGeom prst="rect">
@@ -811,17 +811,17 @@
       </p:sp>
       <p:sp>
         <p:nvSpPr>
-          <p:cNvPr id="16" name="PlaceHolder 3"/>
-          <p:cNvSpPr>
-            <a:spLocks noGrp="1"/>
-          </p:cNvSpPr>
-          <p:nvPr>
-            <p:ph type="body"/>
-          </p:nvPr>
-        </p:nvSpPr>
-        <p:spPr>
-          <a:xfrm>
-            <a:off x="504000" y="4058640"/>
+          <p:cNvPr id="13" name="PlaceHolder 3"/>
+          <p:cNvSpPr>
+            <a:spLocks noGrp="1"/>
+          </p:cNvSpPr>
+          <p:nvPr>
+            <p:ph type="body"/>
+          </p:nvPr>
+        </p:nvSpPr>
+        <p:spPr>
+          <a:xfrm>
+            <a:off x="504000" y="4058280"/>
             <a:ext cx="4328280" cy="2090880"/>
           </a:xfrm>
           <a:prstGeom prst="rect">
@@ -837,18 +837,18 @@
       </p:sp>
       <p:sp>
         <p:nvSpPr>
-          <p:cNvPr id="17" name="PlaceHolder 4"/>
-          <p:cNvSpPr>
-            <a:spLocks noGrp="1"/>
-          </p:cNvSpPr>
-          <p:nvPr>
-            <p:ph type="body"/>
-          </p:nvPr>
-        </p:nvSpPr>
-        <p:spPr>
-          <a:xfrm>
-            <a:off x="5049000" y="1769040"/>
-            <a:ext cx="4328280" cy="4384440"/>
+          <p:cNvPr id="14" name="PlaceHolder 4"/>
+          <p:cNvSpPr>
+            <a:spLocks noGrp="1"/>
+          </p:cNvSpPr>
+          <p:nvPr>
+            <p:ph type="body"/>
+          </p:nvPr>
+        </p:nvSpPr>
+        <p:spPr>
+          <a:xfrm>
+            <a:off x="5049000" y="1768680"/>
+            <a:ext cx="4328280" cy="4384080"/>
           </a:xfrm>
           <a:prstGeom prst="rect">
             <a:avLst/>
@@ -885,7 +885,7 @@
       </p:grpSpPr>
       <p:sp>
         <p:nvSpPr>
-          <p:cNvPr id="18" name="PlaceHolder 1"/>
+          <p:cNvPr id="15" name="PlaceHolder 1"/>
           <p:cNvSpPr>
             <a:spLocks noGrp="1"/>
           </p:cNvSpPr>
@@ -896,7 +896,7 @@
         <p:spPr>
           <a:xfrm>
             <a:off x="504000" y="301320"/>
-            <a:ext cx="9071640" cy="1262520"/>
+            <a:ext cx="9072000" cy="1262160"/>
           </a:xfrm>
           <a:prstGeom prst="rect">
             <a:avLst/>
@@ -912,43 +912,43 @@
       </p:sp>
       <p:sp>
         <p:nvSpPr>
-          <p:cNvPr id="19" name="PlaceHolder 2"/>
-          <p:cNvSpPr>
-            <a:spLocks noGrp="1"/>
-          </p:cNvSpPr>
-          <p:nvPr>
-            <p:ph type="body"/>
-          </p:nvPr>
-        </p:nvSpPr>
-        <p:spPr>
-          <a:xfrm>
-            <a:off x="504000" y="1769040"/>
-            <a:ext cx="4328280" cy="4384440"/>
-          </a:xfrm>
-          <a:prstGeom prst="rect">
-            <a:avLst/>
-          </a:prstGeom>
-        </p:spPr>
-        <p:txBody>
-          <a:bodyPr bIns="0" lIns="0" rIns="0" tIns="0" wrap="none"/>
-          <a:p>
-            <a:endParaRPr/>
-          </a:p>
-        </p:txBody>
-      </p:sp>
-      <p:sp>
-        <p:nvSpPr>
-          <p:cNvPr id="20" name="PlaceHolder 3"/>
-          <p:cNvSpPr>
-            <a:spLocks noGrp="1"/>
-          </p:cNvSpPr>
-          <p:nvPr>
-            <p:ph type="body"/>
-          </p:nvPr>
-        </p:nvSpPr>
-        <p:spPr>
-          <a:xfrm>
-            <a:off x="5049000" y="1769040"/>
+          <p:cNvPr id="16" name="PlaceHolder 2"/>
+          <p:cNvSpPr>
+            <a:spLocks noGrp="1"/>
+          </p:cNvSpPr>
+          <p:nvPr>
+            <p:ph type="body"/>
+          </p:nvPr>
+        </p:nvSpPr>
+        <p:spPr>
+          <a:xfrm>
+            <a:off x="504000" y="1768680"/>
+            <a:ext cx="4328280" cy="4384080"/>
+          </a:xfrm>
+          <a:prstGeom prst="rect">
+            <a:avLst/>
+          </a:prstGeom>
+        </p:spPr>
+        <p:txBody>
+          <a:bodyPr bIns="0" lIns="0" rIns="0" tIns="0" wrap="none"/>
+          <a:p>
+            <a:endParaRPr/>
+          </a:p>
+        </p:txBody>
+      </p:sp>
+      <p:sp>
+        <p:nvSpPr>
+          <p:cNvPr id="17" name="PlaceHolder 3"/>
+          <p:cNvSpPr>
+            <a:spLocks noGrp="1"/>
+          </p:cNvSpPr>
+          <p:nvPr>
+            <p:ph type="body"/>
+          </p:nvPr>
+        </p:nvSpPr>
+        <p:spPr>
+          <a:xfrm>
+            <a:off x="5049000" y="1768680"/>
             <a:ext cx="4328280" cy="2090880"/>
           </a:xfrm>
           <a:prstGeom prst="rect">
@@ -964,17 +964,17 @@
       </p:sp>
       <p:sp>
         <p:nvSpPr>
-          <p:cNvPr id="21" name="PlaceHolder 4"/>
-          <p:cNvSpPr>
-            <a:spLocks noGrp="1"/>
-          </p:cNvSpPr>
-          <p:nvPr>
-            <p:ph type="body"/>
-          </p:nvPr>
-        </p:nvSpPr>
-        <p:spPr>
-          <a:xfrm>
-            <a:off x="5049000" y="4058640"/>
+          <p:cNvPr id="18" name="PlaceHolder 4"/>
+          <p:cNvSpPr>
+            <a:spLocks noGrp="1"/>
+          </p:cNvSpPr>
+          <p:nvPr>
+            <p:ph type="body"/>
+          </p:nvPr>
+        </p:nvSpPr>
+        <p:spPr>
+          <a:xfrm>
+            <a:off x="5049000" y="4058280"/>
             <a:ext cx="4328280" cy="2090880"/>
           </a:xfrm>
           <a:prstGeom prst="rect">
@@ -1012,7 +1012,7 @@
       </p:grpSpPr>
       <p:sp>
         <p:nvSpPr>
-          <p:cNvPr id="22" name="PlaceHolder 1"/>
+          <p:cNvPr id="19" name="PlaceHolder 1"/>
           <p:cNvSpPr>
             <a:spLocks noGrp="1"/>
           </p:cNvSpPr>
@@ -1023,7 +1023,7 @@
         <p:spPr>
           <a:xfrm>
             <a:off x="504000" y="301320"/>
-            <a:ext cx="9071640" cy="1262520"/>
+            <a:ext cx="9072000" cy="1262160"/>
           </a:xfrm>
           <a:prstGeom prst="rect">
             <a:avLst/>
@@ -1039,17 +1039,17 @@
       </p:sp>
       <p:sp>
         <p:nvSpPr>
-          <p:cNvPr id="23" name="PlaceHolder 2"/>
-          <p:cNvSpPr>
-            <a:spLocks noGrp="1"/>
-          </p:cNvSpPr>
-          <p:nvPr>
-            <p:ph type="body"/>
-          </p:nvPr>
-        </p:nvSpPr>
-        <p:spPr>
-          <a:xfrm>
-            <a:off x="504000" y="1769040"/>
+          <p:cNvPr id="20" name="PlaceHolder 2"/>
+          <p:cNvSpPr>
+            <a:spLocks noGrp="1"/>
+          </p:cNvSpPr>
+          <p:nvPr>
+            <p:ph type="body"/>
+          </p:nvPr>
+        </p:nvSpPr>
+        <p:spPr>
+          <a:xfrm>
+            <a:off x="504000" y="1768680"/>
             <a:ext cx="4328280" cy="2090880"/>
           </a:xfrm>
           <a:prstGeom prst="rect">
@@ -1065,17 +1065,17 @@
       </p:sp>
       <p:sp>
         <p:nvSpPr>
-          <p:cNvPr id="24" name="PlaceHolder 3"/>
-          <p:cNvSpPr>
-            <a:spLocks noGrp="1"/>
-          </p:cNvSpPr>
-          <p:nvPr>
-            <p:ph type="body"/>
-          </p:nvPr>
-        </p:nvSpPr>
-        <p:spPr>
-          <a:xfrm>
-            <a:off x="5049000" y="1769040"/>
+          <p:cNvPr id="21" name="PlaceHolder 3"/>
+          <p:cNvSpPr>
+            <a:spLocks noGrp="1"/>
+          </p:cNvSpPr>
+          <p:nvPr>
+            <p:ph type="body"/>
+          </p:nvPr>
+        </p:nvSpPr>
+        <p:spPr>
+          <a:xfrm>
+            <a:off x="5049000" y="1768680"/>
             <a:ext cx="4328280" cy="2090880"/>
           </a:xfrm>
           <a:prstGeom prst="rect">
@@ -1091,17 +1091,17 @@
       </p:sp>
       <p:sp>
         <p:nvSpPr>
-          <p:cNvPr id="25" name="PlaceHolder 4"/>
-          <p:cNvSpPr>
-            <a:spLocks noGrp="1"/>
-          </p:cNvSpPr>
-          <p:nvPr>
-            <p:ph type="body"/>
-          </p:nvPr>
-        </p:nvSpPr>
-        <p:spPr>
-          <a:xfrm>
-            <a:off x="504000" y="4058640"/>
+          <p:cNvPr id="22" name="PlaceHolder 4"/>
+          <p:cNvSpPr>
+            <a:spLocks noGrp="1"/>
+          </p:cNvSpPr>
+          <p:nvPr>
+            <p:ph type="body"/>
+          </p:nvPr>
+        </p:nvSpPr>
+        <p:spPr>
+          <a:xfrm>
+            <a:off x="504000" y="4058280"/>
             <a:ext cx="8869680" cy="2090880"/>
           </a:xfrm>
           <a:prstGeom prst="rect">
@@ -1150,7 +1150,7 @@
         <p:spPr>
           <a:xfrm>
             <a:off x="504000" y="301320"/>
-            <a:ext cx="9071640" cy="1262160"/>
+            <a:ext cx="9072000" cy="1261800"/>
           </a:xfrm>
           <a:prstGeom prst="rect">
             <a:avLst/>
@@ -1180,8 +1180,8 @@
         </p:nvSpPr>
         <p:spPr>
           <a:xfrm>
-            <a:off x="504000" y="1769040"/>
-            <a:ext cx="8870040" cy="4384440"/>
+            <a:off x="504000" y="1768680"/>
+            <a:ext cx="8870400" cy="4384080"/>
           </a:xfrm>
           <a:prstGeom prst="rect">
             <a:avLst/>
@@ -1271,98 +1271,6 @@
               <a:rPr lang="en-US"/>
               <a:t>Seventh Outline Level</a:t>
             </a:r>
-            <a:endParaRPr/>
-          </a:p>
-        </p:txBody>
-      </p:sp>
-      <p:sp>
-        <p:nvSpPr>
-          <p:cNvPr id="2" name="PlaceHolder 3"/>
-          <p:cNvSpPr>
-            <a:spLocks noGrp="1"/>
-          </p:cNvSpPr>
-          <p:nvPr>
-            <p:ph type="dt"/>
-          </p:nvPr>
-        </p:nvSpPr>
-        <p:spPr>
-          <a:xfrm>
-            <a:off x="504000" y="6887160"/>
-            <a:ext cx="2348280" cy="521280"/>
-          </a:xfrm>
-          <a:prstGeom prst="rect">
-            <a:avLst/>
-          </a:prstGeom>
-        </p:spPr>
-        <p:txBody>
-          <a:bodyPr bIns="0" lIns="0" rIns="0" tIns="0" wrap="none"/>
-          <a:p>
-            <a:r>
-              <a:rPr lang="en-US"/>
-              <a:t>&lt;date/time&gt;</a:t>
-            </a:r>
-            <a:endParaRPr/>
-          </a:p>
-        </p:txBody>
-      </p:sp>
-      <p:sp>
-        <p:nvSpPr>
-          <p:cNvPr id="3" name="PlaceHolder 4"/>
-          <p:cNvSpPr>
-            <a:spLocks noGrp="1"/>
-          </p:cNvSpPr>
-          <p:nvPr>
-            <p:ph type="ftr"/>
-          </p:nvPr>
-        </p:nvSpPr>
-        <p:spPr>
-          <a:xfrm>
-            <a:off x="3447360" y="6887160"/>
-            <a:ext cx="3195000" cy="521280"/>
-          </a:xfrm>
-          <a:prstGeom prst="rect">
-            <a:avLst/>
-          </a:prstGeom>
-        </p:spPr>
-        <p:txBody>
-          <a:bodyPr bIns="0" lIns="0" rIns="0" tIns="0" wrap="none"/>
-          <a:p>
-            <a:pPr algn="ctr"/>
-            <a:r>
-              <a:rPr lang="en-US"/>
-              <a:t>&lt;footer&gt;</a:t>
-            </a:r>
-            <a:endParaRPr/>
-          </a:p>
-        </p:txBody>
-      </p:sp>
-      <p:sp>
-        <p:nvSpPr>
-          <p:cNvPr id="4" name="PlaceHolder 5"/>
-          <p:cNvSpPr>
-            <a:spLocks noGrp="1"/>
-          </p:cNvSpPr>
-          <p:nvPr>
-            <p:ph type="sldNum"/>
-          </p:nvPr>
-        </p:nvSpPr>
-        <p:spPr>
-          <a:xfrm>
-            <a:off x="7227360" y="6887160"/>
-            <a:ext cx="2348280" cy="521280"/>
-          </a:xfrm>
-          <a:prstGeom prst="rect">
-            <a:avLst/>
-          </a:prstGeom>
-        </p:spPr>
-        <p:txBody>
-          <a:bodyPr bIns="0" lIns="0" rIns="0" tIns="0" wrap="none"/>
-          <a:p>
-            <a:pPr algn="r"/>
-            <a:fld id="{E1F191E1-91B1-4161-A1D1-C15191114121}" type="slidenum">
-              <a:rPr lang="en-US"/>
-              <a:t>&lt;number&gt;</a:t>
-            </a:fld>
             <a:endParaRPr/>
           </a:p>
         </p:txBody>
@@ -1387,313 +1295,8 @@
 </p:sldMaster>
 </file>
 
-<file path=ppt/slides/slide1.xml><?xml version="1.0" encoding="utf-8"?>
-<p:sld xmlns:a="http://schemas.openxmlformats.org/drawingml/2006/main" xmlns:p="http://schemas.openxmlformats.org/presentationml/2006/main" xmlns:r="http://schemas.openxmlformats.org/officeDocument/2006/relationships">
-  <p:cSld>
-    <p:spTree>
-      <p:nvGrpSpPr>
-        <p:cNvPr id="1" name=""/>
-        <p:cNvGrpSpPr/>
-        <p:nvPr/>
-      </p:nvGrpSpPr>
-      <p:grpSpPr>
-        <a:xfrm>
-          <a:off x="0" y="0"/>
-          <a:ext cx="0" cy="0"/>
-          <a:chOff x="0" y="0"/>
-          <a:chExt cx="0" cy="0"/>
-        </a:xfrm>
-      </p:grpSpPr>
-      <p:sp>
-        <p:nvSpPr>
-          <p:cNvPr id="37" name="Rectangle 1"/>
-          <p:cNvSpPr/>
-          <p:nvPr/>
-        </p:nvSpPr>
-        <p:spPr>
-          <a:xfrm>
-            <a:off x="1463040" y="731520"/>
-            <a:ext cx="2560320" cy="1188720"/>
-          </a:xfrm>
-          <a:prstGeom prst="rect">
-            <a:avLst/>
-          </a:prstGeom>
-          <a:solidFill>
-            <a:srgbClr val="cfe7f5"/>
-          </a:solidFill>
-          <a:ln>
-            <a:solidFill>
-              <a:srgbClr val="808080"/>
-            </a:solidFill>
-            <a:tailEnd len="med" type="triangle" w="med"/>
-          </a:ln>
-        </p:spPr>
-        <p:txBody>
-          <a:bodyPr anchor="ctr" bIns="45000" lIns="90000" rIns="90000" tIns="45000" wrap="none"/>
-          <a:p>
-            <a:pPr algn="ctr"/>
-            <a:r>
-              <a:rPr lang="en-US"/>
-              <a:t>Brahma</a:t>
-            </a:r>
-            <a:endParaRPr/>
-          </a:p>
-        </p:txBody>
-      </p:sp>
-      <p:sp>
-        <p:nvSpPr>
-          <p:cNvPr id="38" name="Rectangle 2"/>
-          <p:cNvSpPr/>
-          <p:nvPr/>
-        </p:nvSpPr>
-        <p:spPr>
-          <a:xfrm>
-            <a:off x="6035040" y="731520"/>
-            <a:ext cx="2560320" cy="1188720"/>
-          </a:xfrm>
-          <a:prstGeom prst="rect">
-            <a:avLst/>
-          </a:prstGeom>
-          <a:solidFill>
-            <a:srgbClr val="cfe7f5"/>
-          </a:solidFill>
-          <a:ln>
-            <a:solidFill>
-              <a:srgbClr val="808080"/>
-            </a:solidFill>
-            <a:tailEnd len="med" type="triangle" w="med"/>
-          </a:ln>
-        </p:spPr>
-        <p:txBody>
-          <a:bodyPr anchor="ctr" bIns="45000" lIns="90000" rIns="90000" tIns="45000" wrap="none"/>
-          <a:p>
-            <a:pPr algn="ctr"/>
-            <a:r>
-              <a:rPr lang="en-US"/>
-              <a:t>PluginCore</a:t>
-            </a:r>
-            <a:endParaRPr/>
-          </a:p>
-        </p:txBody>
-      </p:sp>
-      <p:sp>
-        <p:nvSpPr>
-          <p:cNvPr id="39" name="Rectangle 3"/>
-          <p:cNvSpPr/>
-          <p:nvPr/>
-        </p:nvSpPr>
-        <p:spPr>
-          <a:xfrm>
-            <a:off x="1188720" y="2926080"/>
-            <a:ext cx="2560320" cy="1188720"/>
-          </a:xfrm>
-          <a:prstGeom prst="rect">
-            <a:avLst/>
-          </a:prstGeom>
-          <a:solidFill>
-            <a:srgbClr val="cfe7f5"/>
-          </a:solidFill>
-          <a:ln>
-            <a:solidFill>
-              <a:srgbClr val="808080"/>
-            </a:solidFill>
-          </a:ln>
-        </p:spPr>
-        <p:txBody>
-          <a:bodyPr anchor="ctr" bIns="45000" lIns="90000" rIns="90000" tIns="45000" wrap="none"/>
-          <a:p>
-            <a:pPr algn="ctr"/>
-            <a:r>
-              <a:rPr lang="en-US"/>
-              <a:t>Plugin</a:t>
-            </a:r>
-            <a:endParaRPr/>
-          </a:p>
-        </p:txBody>
-      </p:sp>
-      <p:sp>
-        <p:nvSpPr>
-          <p:cNvPr id="40" name="Rectangle 4"/>
-          <p:cNvSpPr/>
-          <p:nvPr/>
-        </p:nvSpPr>
-        <p:spPr>
-          <a:xfrm>
-            <a:off x="6492240" y="3017520"/>
-            <a:ext cx="2560320" cy="1188720"/>
-          </a:xfrm>
-          <a:prstGeom prst="rect">
-            <a:avLst/>
-          </a:prstGeom>
-          <a:solidFill>
-            <a:srgbClr val="cfe7f5"/>
-          </a:solidFill>
-          <a:ln>
-            <a:solidFill>
-              <a:srgbClr val="808080"/>
-            </a:solidFill>
-          </a:ln>
-        </p:spPr>
-        <p:txBody>
-          <a:bodyPr anchor="ctr" bIns="45000" lIns="90000" rIns="90000" tIns="45000" wrap="none"/>
-          <a:p>
-            <a:pPr algn="ctr"/>
-            <a:r>
-              <a:rPr lang="en-US"/>
-              <a:t>PluginManager</a:t>
-            </a:r>
-            <a:endParaRPr/>
-          </a:p>
-        </p:txBody>
-      </p:sp>
-      <p:sp>
-        <p:nvSpPr>
-          <p:cNvPr id="41" name="Rectangle 5"/>
-          <p:cNvSpPr/>
-          <p:nvPr/>
-        </p:nvSpPr>
-        <p:spPr>
-          <a:xfrm>
-            <a:off x="4023360" y="5212080"/>
-            <a:ext cx="2560320" cy="1188720"/>
-          </a:xfrm>
-          <a:prstGeom prst="rect">
-            <a:avLst/>
-          </a:prstGeom>
-          <a:solidFill>
-            <a:srgbClr val="cfe7f5"/>
-          </a:solidFill>
-          <a:ln>
-            <a:solidFill>
-              <a:srgbClr val="808080"/>
-            </a:solidFill>
-          </a:ln>
-        </p:spPr>
-        <p:txBody>
-          <a:bodyPr anchor="ctr" bIns="45000" lIns="90000" rIns="90000" tIns="45000" wrap="none"/>
-          <a:p>
-            <a:pPr algn="ctr"/>
-            <a:r>
-              <a:rPr lang="en-US"/>
-              <a:t>WatchDir</a:t>
-            </a:r>
-            <a:endParaRPr/>
-          </a:p>
-        </p:txBody>
-      </p:sp>
-      <p:sp>
-        <p:nvSpPr>
-          <p:cNvPr id="42" name="Line 6"/>
-          <p:cNvSpPr/>
-          <p:nvPr/>
-        </p:nvSpPr>
-        <p:spPr>
-          <a:xfrm>
-            <a:off x="4023360" y="1280160"/>
-            <a:ext cx="2011680" cy="0"/>
-          </a:xfrm>
-          <a:prstGeom prst="line">
-            <a:avLst/>
-          </a:prstGeom>
-          <a:ln>
-            <a:solidFill>
-              <a:srgbClr val="000000"/>
-            </a:solidFill>
-            <a:tailEnd len="med" type="triangle" w="med"/>
-          </a:ln>
-        </p:spPr>
-      </p:sp>
-      <p:sp>
-        <p:nvSpPr>
-          <p:cNvPr id="43" name="Line 7"/>
-          <p:cNvSpPr/>
-          <p:nvPr/>
-        </p:nvSpPr>
-        <p:spPr>
-          <a:xfrm>
-            <a:off x="7863840" y="1920240"/>
-            <a:ext cx="0" cy="1097280"/>
-          </a:xfrm>
-          <a:prstGeom prst="line">
-            <a:avLst/>
-          </a:prstGeom>
-          <a:ln>
-            <a:solidFill>
-              <a:srgbClr val="000000"/>
-            </a:solidFill>
-            <a:tailEnd len="med" type="triangle" w="med"/>
-          </a:ln>
-        </p:spPr>
-      </p:sp>
-      <p:sp>
-        <p:nvSpPr>
-          <p:cNvPr id="44" name="Line 8"/>
-          <p:cNvSpPr/>
-          <p:nvPr/>
-        </p:nvSpPr>
-        <p:spPr>
-          <a:xfrm flipH="1" flipV="1">
-            <a:off x="3749040" y="3474720"/>
-            <a:ext cx="2743200" cy="91440"/>
-          </a:xfrm>
-          <a:prstGeom prst="line">
-            <a:avLst/>
-          </a:prstGeom>
-          <a:ln>
-            <a:solidFill>
-              <a:srgbClr val="000000"/>
-            </a:solidFill>
-            <a:tailEnd len="med" type="triangle" w="med"/>
-          </a:ln>
-        </p:spPr>
-      </p:sp>
-      <p:sp>
-        <p:nvSpPr>
-          <p:cNvPr id="45" name="Line 9"/>
-          <p:cNvSpPr/>
-          <p:nvPr/>
-        </p:nvSpPr>
-        <p:spPr>
-          <a:xfrm flipH="1">
-            <a:off x="3749040" y="1920240"/>
-            <a:ext cx="3291840" cy="1371600"/>
-          </a:xfrm>
-          <a:prstGeom prst="line">
-            <a:avLst/>
-          </a:prstGeom>
-          <a:ln>
-            <a:solidFill>
-              <a:srgbClr val="000000"/>
-            </a:solidFill>
-            <a:tailEnd len="med" type="triangle" w="med"/>
-          </a:ln>
-        </p:spPr>
-      </p:sp>
-      <p:sp>
-        <p:nvSpPr>
-          <p:cNvPr id="46" name="Line 10"/>
-          <p:cNvSpPr/>
-          <p:nvPr/>
-        </p:nvSpPr>
-        <p:spPr>
-          <a:xfrm flipH="1">
-            <a:off x="5760720" y="4206240"/>
-            <a:ext cx="1188720" cy="1005840"/>
-          </a:xfrm>
-          <a:prstGeom prst="line">
-            <a:avLst/>
-          </a:prstGeom>
-          <a:ln>
-            <a:solidFill>
-              <a:srgbClr val="000000"/>
-            </a:solidFill>
-            <a:tailEnd len="med" type="triangle" w="med"/>
-          </a:ln>
-        </p:spPr>
-      </p:sp>
-    </p:spTree>
-  </p:cSld>
-</p:sld>
+<file path=ppt/slides/slide1.xml><?xml version="1.0" encoding="UTF-8" standalone="yes"?>
+<p:sld xmlns:a="http://schemas.openxmlformats.org/drawingml/2006/main" xmlns:p="http://schemas.openxmlformats.org/presentationml/2006/main" xmlns:r="http://schemas.openxmlformats.org/officeDocument/2006/relationships"><p:cSld><p:spTree><p:nvGrpSpPr>        <p:cNvPr id="1" name=""/>        <p:cNvGrpSpPr/>        <p:nvPr/>      </p:nvGrpSpPr>      <p:grpSpPr>        <a:xfrm>          <a:off x="0" y="0"/>          <a:ext cx="0" cy="0"/>          <a:chOff x="0" y="0"/>          <a:chExt cx="0" cy="0"/>        </a:xfrm>      </p:grpSpPr><p:sp><p:nvSpPr><p:cNvPr id="34" name="CustomShape 1"/><p:cNvSpPr/><p:nvPr/></p:nvSpPr><p:spPr><a:xfrm><a:off x="5669640" y="4846320"/><a:ext cx="2559240" cy="1187640"/></a:xfrm><a:prstGeom prst="rect"><a:avLst></a:avLst></a:prstGeom><a:solidFill><a:srgbClr val="cfe7f5"/></a:solidFill><a:ln><a:solidFill><a:srgbClr val="808080"/></a:solidFill><a:tailEnd len="med" type="triangle" w="med"/></a:ln></p:spPr><p:txBody><a:bodyPr anchor="ctr" bIns="45000" lIns="90000" rIns="90000" tIns="45000" wrap="none"/><a:p><a:pPr algn="ctr"><a:lnSpc><a:spcPct val="100000"/></a:lnSpc></a:pPr><a:r><a:rPr lang="en-US"></a:rPr><a:t>Brahma</a:t></a:r><a:endParaRPr/></a:p></p:txBody></p:sp><p:sp><p:nvSpPr><p:cNvPr id="35" name="CustomShape 2"/><p:cNvSpPr/><p:nvPr/></p:nvSpPr><p:spPr><a:xfrm><a:off x="3840480" y="640440"/><a:ext cx="2559240" cy="1187640"/></a:xfrm><a:prstGeom prst="rect"><a:avLst></a:avLst></a:prstGeom><a:solidFill><a:srgbClr val="cfe7f5"/></a:solidFill><a:ln><a:solidFill><a:srgbClr val="808080"/></a:solidFill><a:tailEnd len="med" type="triangle" w="med"/></a:ln></p:spPr><p:txBody><a:bodyPr anchor="ctr" bIns="45000" lIns="90000" rIns="90000" tIns="45000" wrap="none"/><a:p><a:pPr algn="ctr"><a:lnSpc><a:spcPct val="100000"/></a:lnSpc></a:pPr><a:r><a:rPr lang="en-US"></a:rPr><a:t>PluginCore</a:t></a:r><a:endParaRPr/></a:p></p:txBody></p:sp><p:sp><p:nvSpPr><p:cNvPr id="36" name="CustomShape 3"/><p:cNvSpPr/><p:nvPr/></p:nvSpPr><p:spPr><a:xfrm><a:off x="914760" y="3566520"/><a:ext cx="2559240" cy="1187640"/></a:xfrm><a:prstGeom prst="rect"><a:avLst></a:avLst></a:prstGeom><a:solidFill><a:srgbClr val="cfe7f5"/></a:solidFill><a:ln><a:solidFill><a:srgbClr val="808080"/></a:solidFill></a:ln></p:spPr><p:txBody><a:bodyPr anchor="ctr" bIns="45000" lIns="90000" rIns="90000" tIns="45000" wrap="none"/><a:p><a:pPr algn="ctr"><a:lnSpc><a:spcPct val="100000"/></a:lnSpc></a:pPr><a:r><a:rPr lang="en-US"></a:rPr><a:t>Plugin</a:t></a:r><a:endParaRPr/></a:p></p:txBody></p:sp><p:sp><p:nvSpPr><p:cNvPr id="37" name="CustomShape 4"/><p:cNvSpPr/><p:nvPr/></p:nvSpPr><p:spPr><a:xfrm><a:off x="5669640" y="3566520"/><a:ext cx="2559240" cy="1187640"/></a:xfrm><a:prstGeom prst="rect"><a:avLst></a:avLst></a:prstGeom><a:solidFill><a:srgbClr val="cfe7f5"/></a:solidFill><a:ln><a:solidFill><a:srgbClr val="808080"/></a:solidFill></a:ln></p:spPr><p:txBody><a:bodyPr anchor="ctr" bIns="45000" lIns="90000" rIns="90000" tIns="45000" wrap="none"/><a:p><a:pPr algn="ctr"><a:lnSpc><a:spcPct val="100000"/></a:lnSpc></a:pPr><a:r><a:rPr lang="en-US"></a:rPr><a:t>PluginManager</a:t></a:r><a:endParaRPr/></a:p></p:txBody></p:sp><p:sp><p:nvSpPr><p:cNvPr id="38" name="CustomShape 5"/><p:cNvSpPr/><p:nvPr/></p:nvSpPr><p:spPr><a:xfrm><a:off x="914760" y="4937760"/><a:ext cx="2559240" cy="1187640"/></a:xfrm><a:prstGeom prst="rect"><a:avLst></a:avLst></a:prstGeom><a:solidFill><a:srgbClr val="cfe7f5"/></a:solidFill><a:ln><a:solidFill><a:srgbClr val="808080"/></a:solidFill></a:ln></p:spPr><p:txBody><a:bodyPr anchor="ctr" bIns="45000" lIns="90000" rIns="90000" tIns="45000" wrap="none"/><a:p><a:pPr algn="ctr"><a:lnSpc><a:spcPct val="100000"/></a:lnSpc></a:pPr><a:r><a:rPr lang="en-US"></a:rPr><a:t>WatchDir</a:t></a:r><a:endParaRPr/></a:p></p:txBody></p:sp><p:sp><p:nvSpPr><p:cNvPr id="39" name="CustomShape 6"/><p:cNvSpPr/><p:nvPr/></p:nvSpPr><p:spPr><a:xfrm><a:off x="457200" y="548640"/><a:ext cx="8046000" cy="1828080"/></a:xfrm><a:prstGeom prst="rect"><a:avLst></a:avLst></a:prstGeom><a:ln><a:solidFill><a:srgbClr val="000000"/></a:solidFill></a:ln></p:spPr></p:sp><p:sp><p:nvSpPr><p:cNvPr id="40" name="CustomShape 7"/><p:cNvSpPr/><p:nvPr/></p:nvSpPr><p:spPr><a:xfrm><a:off x="640080" y="3383280"/><a:ext cx="3291120" cy="3291120"/></a:xfrm><a:prstGeom prst="rect"><a:avLst></a:avLst></a:prstGeom><a:ln><a:solidFill><a:srgbClr val="000000"/></a:solidFill></a:ln></p:spPr></p:sp><p:sp><p:nvSpPr><p:cNvPr id="41" name="CustomShape 8"/><p:cNvSpPr/><p:nvPr/></p:nvSpPr><p:spPr><a:xfrm><a:off x="5486400" y="3291840"/><a:ext cx="3291120" cy="3291120"/></a:xfrm><a:prstGeom prst="rect"><a:avLst></a:avLst></a:prstGeom><a:ln><a:solidFill><a:srgbClr val="000000"/></a:solidFill></a:ln></p:spPr></p:sp><p:sp><p:nvSpPr><p:cNvPr id="42" name="CustomShape 9"/><p:cNvSpPr/><p:nvPr/></p:nvSpPr><p:spPr><a:xfrm><a:off x="1097280" y="6328440"/><a:ext cx="800280" cy="345960"/></a:xfrm><a:prstGeom prst="rect"><a:avLst></a:avLst></a:prstGeom></p:spPr><p:txBody><a:bodyPr bIns="45000" lIns="90000" rIns="90000" tIns="45000" wrap="none"/><a:p><a:r><a:rPr lang="en-US"></a:rPr><a:t>Model</a:t></a:r><a:endParaRPr/></a:p></p:txBody></p:sp><p:sp><p:nvSpPr><p:cNvPr id="43" name="CustomShape 10"/><p:cNvSpPr/><p:nvPr/></p:nvSpPr><p:spPr><a:xfrm><a:off x="6217920" y="6145560"/><a:ext cx="1117440" cy="345960"/></a:xfrm><a:prstGeom prst="rect"><a:avLst></a:avLst></a:prstGeom></p:spPr><p:txBody><a:bodyPr bIns="45000" lIns="90000" rIns="90000" tIns="45000" wrap="none"/><a:p><a:r><a:rPr lang="en-US"></a:rPr><a:t>controller</a:t></a:r><a:endParaRPr/></a:p></p:txBody></p:sp><p:sp><p:nvSpPr><p:cNvPr id="44" name="CustomShape 11"/><p:cNvSpPr/><p:nvPr/></p:nvSpPr><p:spPr><a:xfrm><a:off x="4114800" y="2011680"/><a:ext cx="1828080" cy="345960"/></a:xfrm><a:prstGeom prst="rect"><a:avLst></a:avLst></a:prstGeom></p:spPr><p:txBody><a:bodyPr bIns="45000" lIns="90000" rIns="90000" tIns="45000" wrap="none"/><a:p><a:r><a:rPr lang="en-US"></a:rPr><a:t>view</a:t></a:r><a:endParaRPr/></a:p></p:txBody></p:sp><p:cxnSp><p:nvCxnSpPr><p:cNvPr id="45" name="Line 12"/><p:cNvCxnSpPr><a:stCxn id="39" idx="3"/><a:endCxn id="40" idx="0"/></p:cNvCxnSpPr><p:nvPr/></p:nvCxnSpPr><p:spPr><1pic:xfrm><a:off x="2285640" y="2376720"/><a:ext cx="2194920" cy="1006920"/></1pic:xfrm><a:prstGeom prst="straightConnector1"><a:avLst/></a:prstGeom><a:ln><a:solidFill><a:srgbClr val="000000"/></a:solidFill><a:headEnd len="med" type="triangle" w="med"/><a:tailEnd len="med" type="triangle" w="med"/></a:ln></p:spPr></p:cxnSp><p:cxnSp><p:nvCxnSpPr><p:cNvPr id="46" name="Line 13"/><p:cNvCxnSpPr><a:stCxn id="39" idx="1"/><a:endCxn id="41" idx="0"/></p:cNvCxnSpPr><p:nvPr/></p:nvCxnSpPr><p:spPr><1pic:xfrm><a:off x="7131960" y="1462680"/><a:ext cx="1371600" cy="1829520"/></1pic:xfrm><a:prstGeom prst="straightConnector1"><a:avLst/></a:prstGeom><a:ln><a:solidFill><a:srgbClr val="000000"/></a:solidFill><a:headEnd len="med" type="triangle" w="med"/><a:tailEnd len="med" type="triangle" w="med"/></a:ln></p:spPr></p:cxnSp><p:cxnSp><p:nvCxnSpPr><p:cNvPr id="47" name="Line 14"/><p:cNvCxnSpPr><a:stCxn id="40" idx="1"/><a:endCxn id="41" idx="0"/></p:cNvCxnSpPr><p:nvPr/></p:nvCxnSpPr><p:spPr><xfrm flipH="1"><a:off x="3931200" y="4937400"/><a:ext cx="1555560" cy="91800"/></xfrm><a:prstGeom prst="straightConnector1"><a:avLst/></a:prstGeom><a:ln><a:solidFill><a:srgbClr val="000000"/></a:solidFill><a:headEnd len="med" type="triangle" w="med"/><a:tailEnd len="med" type="triangle" w="med"/></a:ln></p:spPr></p:cxnSp></p:spTree></p:cSld><p:timing><p:tnLst><p:par><p:cTn dur="indefinite" id="1" nodeType="tmRoot" restart="never"><p:childTnLst><p:seq><p:cTn id="2" nodeType="mainSeq"><p:childTnLst></p:childTnLst></p:cTn><p:prevCondLst><p:cond delay="0" evt="onPrev"><p:tgtEl><p:sldTgt/></p:tgtEl></p:cond></p:prevCondLst><p:nextCondLst><p:cond delay="0" evt="onNext"><p:tgtEl><p:sldTgt/></p:tgtEl></p:cond></p:nextCondLst></p:seq></p:childTnLst></p:cTn></p:par></p:tnLst></p:timing></p:sld>
 </file>
 
 <file path=ppt/theme/theme1.xml><?xml version="1.0" encoding="utf-8"?>

--- a/Module Decomposition Diagram.pptx
+++ b/Module Decomposition Diagram.pptx
@@ -1296,7 +1296,7 @@
 </file>
 
 <file path=ppt/slides/slide1.xml><?xml version="1.0" encoding="UTF-8" standalone="yes"?>
-<p:sld xmlns:a="http://schemas.openxmlformats.org/drawingml/2006/main" xmlns:p="http://schemas.openxmlformats.org/presentationml/2006/main" xmlns:r="http://schemas.openxmlformats.org/officeDocument/2006/relationships"><p:cSld><p:spTree><p:nvGrpSpPr>        <p:cNvPr id="1" name=""/>        <p:cNvGrpSpPr/>        <p:nvPr/>      </p:nvGrpSpPr>      <p:grpSpPr>        <a:xfrm>          <a:off x="0" y="0"/>          <a:ext cx="0" cy="0"/>          <a:chOff x="0" y="0"/>          <a:chExt cx="0" cy="0"/>        </a:xfrm>      </p:grpSpPr><p:sp><p:nvSpPr><p:cNvPr id="34" name="CustomShape 1"/><p:cNvSpPr/><p:nvPr/></p:nvSpPr><p:spPr><a:xfrm><a:off x="5669640" y="4846320"/><a:ext cx="2559240" cy="1187640"/></a:xfrm><a:prstGeom prst="rect"><a:avLst></a:avLst></a:prstGeom><a:solidFill><a:srgbClr val="cfe7f5"/></a:solidFill><a:ln><a:solidFill><a:srgbClr val="808080"/></a:solidFill><a:tailEnd len="med" type="triangle" w="med"/></a:ln></p:spPr><p:txBody><a:bodyPr anchor="ctr" bIns="45000" lIns="90000" rIns="90000" tIns="45000" wrap="none"/><a:p><a:pPr algn="ctr"><a:lnSpc><a:spcPct val="100000"/></a:lnSpc></a:pPr><a:r><a:rPr lang="en-US"></a:rPr><a:t>Brahma</a:t></a:r><a:endParaRPr/></a:p></p:txBody></p:sp><p:sp><p:nvSpPr><p:cNvPr id="35" name="CustomShape 2"/><p:cNvSpPr/><p:nvPr/></p:nvSpPr><p:spPr><a:xfrm><a:off x="3840480" y="640440"/><a:ext cx="2559240" cy="1187640"/></a:xfrm><a:prstGeom prst="rect"><a:avLst></a:avLst></a:prstGeom><a:solidFill><a:srgbClr val="cfe7f5"/></a:solidFill><a:ln><a:solidFill><a:srgbClr val="808080"/></a:solidFill><a:tailEnd len="med" type="triangle" w="med"/></a:ln></p:spPr><p:txBody><a:bodyPr anchor="ctr" bIns="45000" lIns="90000" rIns="90000" tIns="45000" wrap="none"/><a:p><a:pPr algn="ctr"><a:lnSpc><a:spcPct val="100000"/></a:lnSpc></a:pPr><a:r><a:rPr lang="en-US"></a:rPr><a:t>PluginCore</a:t></a:r><a:endParaRPr/></a:p></p:txBody></p:sp><p:sp><p:nvSpPr><p:cNvPr id="36" name="CustomShape 3"/><p:cNvSpPr/><p:nvPr/></p:nvSpPr><p:spPr><a:xfrm><a:off x="914760" y="3566520"/><a:ext cx="2559240" cy="1187640"/></a:xfrm><a:prstGeom prst="rect"><a:avLst></a:avLst></a:prstGeom><a:solidFill><a:srgbClr val="cfe7f5"/></a:solidFill><a:ln><a:solidFill><a:srgbClr val="808080"/></a:solidFill></a:ln></p:spPr><p:txBody><a:bodyPr anchor="ctr" bIns="45000" lIns="90000" rIns="90000" tIns="45000" wrap="none"/><a:p><a:pPr algn="ctr"><a:lnSpc><a:spcPct val="100000"/></a:lnSpc></a:pPr><a:r><a:rPr lang="en-US"></a:rPr><a:t>Plugin</a:t></a:r><a:endParaRPr/></a:p></p:txBody></p:sp><p:sp><p:nvSpPr><p:cNvPr id="37" name="CustomShape 4"/><p:cNvSpPr/><p:nvPr/></p:nvSpPr><p:spPr><a:xfrm><a:off x="5669640" y="3566520"/><a:ext cx="2559240" cy="1187640"/></a:xfrm><a:prstGeom prst="rect"><a:avLst></a:avLst></a:prstGeom><a:solidFill><a:srgbClr val="cfe7f5"/></a:solidFill><a:ln><a:solidFill><a:srgbClr val="808080"/></a:solidFill></a:ln></p:spPr><p:txBody><a:bodyPr anchor="ctr" bIns="45000" lIns="90000" rIns="90000" tIns="45000" wrap="none"/><a:p><a:pPr algn="ctr"><a:lnSpc><a:spcPct val="100000"/></a:lnSpc></a:pPr><a:r><a:rPr lang="en-US"></a:rPr><a:t>PluginManager</a:t></a:r><a:endParaRPr/></a:p></p:txBody></p:sp><p:sp><p:nvSpPr><p:cNvPr id="38" name="CustomShape 5"/><p:cNvSpPr/><p:nvPr/></p:nvSpPr><p:spPr><a:xfrm><a:off x="914760" y="4937760"/><a:ext cx="2559240" cy="1187640"/></a:xfrm><a:prstGeom prst="rect"><a:avLst></a:avLst></a:prstGeom><a:solidFill><a:srgbClr val="cfe7f5"/></a:solidFill><a:ln><a:solidFill><a:srgbClr val="808080"/></a:solidFill></a:ln></p:spPr><p:txBody><a:bodyPr anchor="ctr" bIns="45000" lIns="90000" rIns="90000" tIns="45000" wrap="none"/><a:p><a:pPr algn="ctr"><a:lnSpc><a:spcPct val="100000"/></a:lnSpc></a:pPr><a:r><a:rPr lang="en-US"></a:rPr><a:t>WatchDir</a:t></a:r><a:endParaRPr/></a:p></p:txBody></p:sp><p:sp><p:nvSpPr><p:cNvPr id="39" name="CustomShape 6"/><p:cNvSpPr/><p:nvPr/></p:nvSpPr><p:spPr><a:xfrm><a:off x="457200" y="548640"/><a:ext cx="8046000" cy="1828080"/></a:xfrm><a:prstGeom prst="rect"><a:avLst></a:avLst></a:prstGeom><a:ln><a:solidFill><a:srgbClr val="000000"/></a:solidFill></a:ln></p:spPr></p:sp><p:sp><p:nvSpPr><p:cNvPr id="40" name="CustomShape 7"/><p:cNvSpPr/><p:nvPr/></p:nvSpPr><p:spPr><a:xfrm><a:off x="640080" y="3383280"/><a:ext cx="3291120" cy="3291120"/></a:xfrm><a:prstGeom prst="rect"><a:avLst></a:avLst></a:prstGeom><a:ln><a:solidFill><a:srgbClr val="000000"/></a:solidFill></a:ln></p:spPr></p:sp><p:sp><p:nvSpPr><p:cNvPr id="41" name="CustomShape 8"/><p:cNvSpPr/><p:nvPr/></p:nvSpPr><p:spPr><a:xfrm><a:off x="5486400" y="3291840"/><a:ext cx="3291120" cy="3291120"/></a:xfrm><a:prstGeom prst="rect"><a:avLst></a:avLst></a:prstGeom><a:ln><a:solidFill><a:srgbClr val="000000"/></a:solidFill></a:ln></p:spPr></p:sp><p:sp><p:nvSpPr><p:cNvPr id="42" name="CustomShape 9"/><p:cNvSpPr/><p:nvPr/></p:nvSpPr><p:spPr><a:xfrm><a:off x="1097280" y="6328440"/><a:ext cx="800280" cy="345960"/></a:xfrm><a:prstGeom prst="rect"><a:avLst></a:avLst></a:prstGeom></p:spPr><p:txBody><a:bodyPr bIns="45000" lIns="90000" rIns="90000" tIns="45000" wrap="none"/><a:p><a:r><a:rPr lang="en-US"></a:rPr><a:t>Model</a:t></a:r><a:endParaRPr/></a:p></p:txBody></p:sp><p:sp><p:nvSpPr><p:cNvPr id="43" name="CustomShape 10"/><p:cNvSpPr/><p:nvPr/></p:nvSpPr><p:spPr><a:xfrm><a:off x="6217920" y="6145560"/><a:ext cx="1117440" cy="345960"/></a:xfrm><a:prstGeom prst="rect"><a:avLst></a:avLst></a:prstGeom></p:spPr><p:txBody><a:bodyPr bIns="45000" lIns="90000" rIns="90000" tIns="45000" wrap="none"/><a:p><a:r><a:rPr lang="en-US"></a:rPr><a:t>controller</a:t></a:r><a:endParaRPr/></a:p></p:txBody></p:sp><p:sp><p:nvSpPr><p:cNvPr id="44" name="CustomShape 11"/><p:cNvSpPr/><p:nvPr/></p:nvSpPr><p:spPr><a:xfrm><a:off x="4114800" y="2011680"/><a:ext cx="1828080" cy="345960"/></a:xfrm><a:prstGeom prst="rect"><a:avLst></a:avLst></a:prstGeom></p:spPr><p:txBody><a:bodyPr bIns="45000" lIns="90000" rIns="90000" tIns="45000" wrap="none"/><a:p><a:r><a:rPr lang="en-US"></a:rPr><a:t>view</a:t></a:r><a:endParaRPr/></a:p></p:txBody></p:sp><p:cxnSp><p:nvCxnSpPr><p:cNvPr id="45" name="Line 12"/><p:cNvCxnSpPr><a:stCxn id="39" idx="3"/><a:endCxn id="40" idx="0"/></p:cNvCxnSpPr><p:nvPr/></p:nvCxnSpPr><p:spPr><1pic:xfrm><a:off x="2285640" y="2376720"/><a:ext cx="2194920" cy="1006920"/></1pic:xfrm><a:prstGeom prst="straightConnector1"><a:avLst/></a:prstGeom><a:ln><a:solidFill><a:srgbClr val="000000"/></a:solidFill><a:headEnd len="med" type="triangle" w="med"/><a:tailEnd len="med" type="triangle" w="med"/></a:ln></p:spPr></p:cxnSp><p:cxnSp><p:nvCxnSpPr><p:cNvPr id="46" name="Line 13"/><p:cNvCxnSpPr><a:stCxn id="39" idx="1"/><a:endCxn id="41" idx="0"/></p:cNvCxnSpPr><p:nvPr/></p:nvCxnSpPr><p:spPr><1pic:xfrm><a:off x="7131960" y="1462680"/><a:ext cx="1371600" cy="1829520"/></1pic:xfrm><a:prstGeom prst="straightConnector1"><a:avLst/></a:prstGeom><a:ln><a:solidFill><a:srgbClr val="000000"/></a:solidFill><a:headEnd len="med" type="triangle" w="med"/><a:tailEnd len="med" type="triangle" w="med"/></a:ln></p:spPr></p:cxnSp><p:cxnSp><p:nvCxnSpPr><p:cNvPr id="47" name="Line 14"/><p:cNvCxnSpPr><a:stCxn id="40" idx="1"/><a:endCxn id="41" idx="0"/></p:cNvCxnSpPr><p:nvPr/></p:nvCxnSpPr><p:spPr><xfrm flipH="1"><a:off x="3931200" y="4937400"/><a:ext cx="1555560" cy="91800"/></xfrm><a:prstGeom prst="straightConnector1"><a:avLst/></a:prstGeom><a:ln><a:solidFill><a:srgbClr val="000000"/></a:solidFill><a:headEnd len="med" type="triangle" w="med"/><a:tailEnd len="med" type="triangle" w="med"/></a:ln></p:spPr></p:cxnSp></p:spTree></p:cSld><p:timing><p:tnLst><p:par><p:cTn dur="indefinite" id="1" nodeType="tmRoot" restart="never"><p:childTnLst><p:seq><p:cTn id="2" nodeType="mainSeq"><p:childTnLst></p:childTnLst></p:cTn><p:prevCondLst><p:cond delay="0" evt="onPrev"><p:tgtEl><p:sldTgt/></p:tgtEl></p:cond></p:prevCondLst><p:nextCondLst><p:cond delay="0" evt="onNext"><p:tgtEl><p:sldTgt/></p:tgtEl></p:cond></p:nextCondLst></p:seq></p:childTnLst></p:cTn></p:par></p:tnLst></p:timing></p:sld>
+<p:sld xmlns:a="http://schemas.openxmlformats.org/drawingml/2006/main" xmlns:p="http://schemas.openxmlformats.org/presentationml/2006/main" xmlns:r="http://schemas.openxmlformats.org/officeDocument/2006/relationships"><p:cSld><p:spTree><p:nvGrpSpPr>        <p:cNvPr id="1" name=""/>        <p:cNvGrpSpPr/>        <p:nvPr/>      </p:nvGrpSpPr>      <p:grpSpPr>        <a:xfrm>          <a:off x="0" y="0"/>          <a:ext cx="0" cy="0"/>          <a:chOff x="0" y="0"/>          <a:chExt cx="0" cy="0"/>        </a:xfrm>      </p:grpSpPr><p:sp><p:nvSpPr><p:cNvPr id="34" name="CustomShape 1"/><p:cNvSpPr/><p:nvPr/></p:nvSpPr><p:spPr><a:xfrm><a:off x="5669640" y="4846320"/><a:ext cx="2558880" cy="1187280"/></a:xfrm><a:prstGeom prst="rect"><a:avLst></a:avLst></a:prstGeom><a:solidFill><a:srgbClr val="cfe7f5"/></a:solidFill><a:ln><a:solidFill><a:srgbClr val="808080"/></a:solidFill><a:tailEnd len="med" type="triangle" w="med"/></a:ln></p:spPr><p:txBody><a:bodyPr anchor="ctr" bIns="45000" lIns="90000" rIns="90000" tIns="45000" wrap="none"/><a:p><a:pPr algn="ctr"><a:lnSpc><a:spcPct val="100000"/></a:lnSpc></a:pPr><a:r><a:rPr lang="en-US"></a:rPr><a:t>Brahma</a:t></a:r><a:endParaRPr/></a:p></p:txBody></p:sp><p:sp><p:nvSpPr><p:cNvPr id="35" name="CustomShape 2"/><p:cNvSpPr/><p:nvPr/></p:nvSpPr><p:spPr><a:xfrm><a:off x="3840480" y="640440"/><a:ext cx="2558880" cy="1187280"/></a:xfrm><a:prstGeom prst="rect"><a:avLst></a:avLst></a:prstGeom><a:solidFill><a:srgbClr val="cfe7f5"/></a:solidFill><a:ln><a:solidFill><a:srgbClr val="808080"/></a:solidFill><a:tailEnd len="med" type="triangle" w="med"/></a:ln></p:spPr><p:txBody><a:bodyPr anchor="ctr" bIns="45000" lIns="90000" rIns="90000" tIns="45000" wrap="none"/><a:p><a:pPr algn="ctr"><a:lnSpc><a:spcPct val="100000"/></a:lnSpc></a:pPr><a:r><a:rPr lang="en-US"></a:rPr><a:t>PluginCore</a:t></a:r><a:endParaRPr/></a:p></p:txBody></p:sp><p:sp><p:nvSpPr><p:cNvPr id="36" name="CustomShape 3"/><p:cNvSpPr/><p:nvPr/></p:nvSpPr><p:spPr><a:xfrm><a:off x="914760" y="3566520"/><a:ext cx="2558880" cy="1187280"/></a:xfrm><a:prstGeom prst="rect"><a:avLst></a:avLst></a:prstGeom><a:solidFill><a:srgbClr val="cfe7f5"/></a:solidFill><a:ln><a:solidFill><a:srgbClr val="808080"/></a:solidFill></a:ln></p:spPr><p:txBody><a:bodyPr anchor="ctr" bIns="45000" lIns="90000" rIns="90000" tIns="45000" wrap="none"/><a:p><a:pPr algn="ctr"><a:lnSpc><a:spcPct val="100000"/></a:lnSpc></a:pPr><a:r><a:rPr lang="en-US"></a:rPr><a:t>Plugin</a:t></a:r><a:endParaRPr/></a:p></p:txBody></p:sp><p:sp><p:nvSpPr><p:cNvPr id="37" name="CustomShape 4"/><p:cNvSpPr/><p:nvPr/></p:nvSpPr><p:spPr><a:xfrm><a:off x="5669640" y="3566520"/><a:ext cx="2558880" cy="1187280"/></a:xfrm><a:prstGeom prst="rect"><a:avLst></a:avLst></a:prstGeom><a:solidFill><a:srgbClr val="cfe7f5"/></a:solidFill><a:ln><a:solidFill><a:srgbClr val="808080"/></a:solidFill></a:ln></p:spPr><p:txBody><a:bodyPr anchor="ctr" bIns="45000" lIns="90000" rIns="90000" tIns="45000" wrap="none"/><a:p><a:pPr algn="ctr"><a:lnSpc><a:spcPct val="100000"/></a:lnSpc></a:pPr><a:r><a:rPr lang="en-US"></a:rPr><a:t>PluginManager</a:t></a:r><a:endParaRPr/></a:p></p:txBody></p:sp><p:sp><p:nvSpPr><p:cNvPr id="38" name="CustomShape 5"/><p:cNvSpPr/><p:nvPr/></p:nvSpPr><p:spPr><a:xfrm><a:off x="914760" y="4937760"/><a:ext cx="2558880" cy="1187280"/></a:xfrm><a:prstGeom prst="rect"><a:avLst></a:avLst></a:prstGeom><a:solidFill><a:srgbClr val="cfe7f5"/></a:solidFill><a:ln><a:solidFill><a:srgbClr val="808080"/></a:solidFill></a:ln></p:spPr><p:txBody><a:bodyPr anchor="ctr" bIns="45000" lIns="90000" rIns="90000" tIns="45000" wrap="none"/><a:p><a:pPr algn="ctr"><a:lnSpc><a:spcPct val="100000"/></a:lnSpc></a:pPr><a:r><a:rPr lang="en-US"></a:rPr><a:t>WatchDir</a:t></a:r><a:endParaRPr/></a:p></p:txBody></p:sp><p:sp><p:nvSpPr><p:cNvPr id="39" name="CustomShape 6"/><p:cNvSpPr/><p:nvPr/></p:nvSpPr><p:spPr><a:xfrm><a:off x="457200" y="548640"/><a:ext cx="8045640" cy="1827720"/></a:xfrm><a:prstGeom prst="rect"><a:avLst></a:avLst></a:prstGeom><a:ln><a:solidFill><a:srgbClr val="000000"/></a:solidFill></a:ln></p:spPr></p:sp><p:sp><p:nvSpPr><p:cNvPr id="40" name="CustomShape 7"/><p:cNvSpPr/><p:nvPr/></p:nvSpPr><p:spPr><a:xfrm><a:off x="640080" y="3383280"/><a:ext cx="3290760" cy="3290760"/></a:xfrm><a:prstGeom prst="rect"><a:avLst></a:avLst></a:prstGeom><a:ln><a:solidFill><a:srgbClr val="000000"/></a:solidFill></a:ln></p:spPr></p:sp><p:sp><p:nvSpPr><p:cNvPr id="41" name="CustomShape 8"/><p:cNvSpPr/><p:nvPr/></p:nvSpPr><p:spPr><a:xfrm><a:off x="5486400" y="3291840"/><a:ext cx="3290760" cy="3290760"/></a:xfrm><a:prstGeom prst="rect"><a:avLst></a:avLst></a:prstGeom><a:ln><a:solidFill><a:srgbClr val="000000"/></a:solidFill></a:ln></p:spPr></p:sp><p:sp><p:nvSpPr><p:cNvPr id="42" name="CustomShape 9"/><p:cNvSpPr/><p:nvPr/></p:nvSpPr><p:spPr><a:xfrm><a:off x="1097280" y="6328440"/><a:ext cx="799920" cy="345600"/></a:xfrm><a:prstGeom prst="rect"><a:avLst></a:avLst></a:prstGeom></p:spPr><p:txBody><a:bodyPr bIns="45000" lIns="90000" rIns="90000" tIns="45000" wrap="none"/><a:p><a:r><a:rPr lang="en-US"></a:rPr><a:t>Model</a:t></a:r><a:endParaRPr/></a:p></p:txBody></p:sp><p:sp><p:nvSpPr><p:cNvPr id="43" name="CustomShape 10"/><p:cNvSpPr/><p:nvPr/></p:nvSpPr><p:spPr><a:xfrm><a:off x="6217920" y="6145560"/><a:ext cx="1117080" cy="345600"/></a:xfrm><a:prstGeom prst="rect"><a:avLst></a:avLst></a:prstGeom></p:spPr><p:txBody><a:bodyPr bIns="45000" lIns="90000" rIns="90000" tIns="45000" wrap="none"/><a:p><a:r><a:rPr lang="en-US"></a:rPr><a:t>controller</a:t></a:r><a:endParaRPr/></a:p></p:txBody></p:sp><p:sp><p:nvSpPr><p:cNvPr id="44" name="CustomShape 11"/><p:cNvSpPr/><p:nvPr/></p:nvSpPr><p:spPr><a:xfrm><a:off x="4114800" y="2011680"/><a:ext cx="1827720" cy="345600"/></a:xfrm><a:prstGeom prst="rect"><a:avLst></a:avLst></a:prstGeom></p:spPr><p:txBody><a:bodyPr bIns="45000" lIns="90000" rIns="90000" tIns="45000" wrap="none"/><a:p><a:r><a:rPr lang="en-US"></a:rPr><a:t>view</a:t></a:r><a:endParaRPr/></a:p></p:txBody></p:sp><p:cxnSp><p:nvCxnSpPr><p:cNvPr id="45" name="Line 12"/><p:cNvCxnSpPr></p:cNvCxnSpPr><p:nvPr/></p:nvCxnSpPr><p:spPr><xfrm><a:off x="0" y="0"/><a:ext cx="360" cy="360"/></xfrm><a:prstGeom prst="line"><a:avLst/></a:prstGeom></p:spPr></p:cxnSp><p:cxnSp><p:nvCxnSpPr><p:cNvPr id="46" name="Line 13"/><p:cNvCxnSpPr><a:stCxn id="39" idx="2"/><a:endCxn id="40" idx="1"/></p:cNvCxnSpPr><p:nvPr/></p:nvCxnSpPr><p:spPr><1pic:xfrm><a:off x="3930840" y="2376360"/><a:ext cx="549360" cy="2652480"/></1pic:xfrm><a:prstGeom prst="straightConnector1"><a:avLst/></a:prstGeom><a:ln><a:solidFill><a:srgbClr val="000000"/></a:solidFill><a:headEnd len="med" type="triangle" w="med"/><a:tailEnd len="med" type="triangle" w="med"/></a:ln></p:spPr></p:cxnSp><p:cxnSp><p:nvCxnSpPr><p:cNvPr id="47" name="Line 14"/><p:cNvCxnSpPr><a:stCxn id="39" idx="1"/><a:endCxn id="41" idx="0"/></p:cNvCxnSpPr><p:nvPr/></p:nvCxnSpPr><p:spPr><1pic:xfrm><a:off x="7131600" y="1462320"/><a:ext cx="1371600" cy="1829880"/></1pic:xfrm><a:prstGeom prst="straightConnector1"><a:avLst/></a:prstGeom><a:ln><a:solidFill><a:srgbClr val="000000"/></a:solidFill><a:headEnd len="med" type="triangle" w="med"/><a:tailEnd len="med" type="triangle" w="med"/></a:ln></p:spPr></p:cxnSp></p:spTree></p:cSld></p:sld>
 </file>
 
 <file path=ppt/theme/theme1.xml><?xml version="1.0" encoding="utf-8"?>
